--- a/docs/diagrams/StorageComponentClassDiagram.pptx
+++ b/docs/diagrams/StorageComponentClassDiagram.pptx
@@ -107,6 +107,22 @@
       </a:defRPr>
     </a:lvl9pPr>
   </p:defaultTextStyle>
+  <p:extLst>
+    <p:ext uri="{EFAFB233-063F-42B5-8137-9DF3F51BA10A}">
+      <p15:sldGuideLst xmlns:p15="http://schemas.microsoft.com/office/powerpoint/2012/main">
+        <p15:guide id="1" orient="horz" pos="1488">
+          <p15:clr>
+            <a:srgbClr val="A4A3A4"/>
+          </p15:clr>
+        </p15:guide>
+        <p15:guide id="2" pos="2880">
+          <p15:clr>
+            <a:srgbClr val="A4A3A4"/>
+          </p15:clr>
+        </p15:guide>
+      </p15:sldGuideLst>
+    </p:ext>
+  </p:extLst>
 </p:presentation>
 </file>
 
@@ -192,7 +208,7 @@
           <a:p>
             <a:fld id="{F5CC4B3F-88C1-4FFA-B1B6-F41C21DC6924}" type="datetimeFigureOut">
               <a:rPr lang="en-US" smtClean="0"/>
-              <a:t>10/16/2016</a:t>
+              <a:t>11/10/2018</a:t>
             </a:fld>
             <a:endParaRPr lang="en-US"/>
           </a:p>
@@ -641,7 +657,7 @@
           <a:p>
             <a:fld id="{78C97017-6FC3-485B-9764-EAC9E56C1D49}" type="datetimeFigureOut">
               <a:rPr lang="en-US" smtClean="0"/>
-              <a:t>10/16/2016</a:t>
+              <a:t>11/10/2018</a:t>
             </a:fld>
             <a:endParaRPr lang="en-US"/>
           </a:p>
@@ -811,7 +827,7 @@
           <a:p>
             <a:fld id="{78C97017-6FC3-485B-9764-EAC9E56C1D49}" type="datetimeFigureOut">
               <a:rPr lang="en-US" smtClean="0"/>
-              <a:t>10/16/2016</a:t>
+              <a:t>11/10/2018</a:t>
             </a:fld>
             <a:endParaRPr lang="en-US"/>
           </a:p>
@@ -991,7 +1007,7 @@
           <a:p>
             <a:fld id="{78C97017-6FC3-485B-9764-EAC9E56C1D49}" type="datetimeFigureOut">
               <a:rPr lang="en-US" smtClean="0"/>
-              <a:t>10/16/2016</a:t>
+              <a:t>11/10/2018</a:t>
             </a:fld>
             <a:endParaRPr lang="en-US"/>
           </a:p>
@@ -1161,7 +1177,7 @@
           <a:p>
             <a:fld id="{78C97017-6FC3-485B-9764-EAC9E56C1D49}" type="datetimeFigureOut">
               <a:rPr lang="en-US" smtClean="0"/>
-              <a:t>10/16/2016</a:t>
+              <a:t>11/10/2018</a:t>
             </a:fld>
             <a:endParaRPr lang="en-US"/>
           </a:p>
@@ -1407,7 +1423,7 @@
           <a:p>
             <a:fld id="{78C97017-6FC3-485B-9764-EAC9E56C1D49}" type="datetimeFigureOut">
               <a:rPr lang="en-US" smtClean="0"/>
-              <a:t>10/16/2016</a:t>
+              <a:t>11/10/2018</a:t>
             </a:fld>
             <a:endParaRPr lang="en-US"/>
           </a:p>
@@ -1695,7 +1711,7 @@
           <a:p>
             <a:fld id="{78C97017-6FC3-485B-9764-EAC9E56C1D49}" type="datetimeFigureOut">
               <a:rPr lang="en-US" smtClean="0"/>
-              <a:t>10/16/2016</a:t>
+              <a:t>11/10/2018</a:t>
             </a:fld>
             <a:endParaRPr lang="en-US"/>
           </a:p>
@@ -2117,7 +2133,7 @@
           <a:p>
             <a:fld id="{78C97017-6FC3-485B-9764-EAC9E56C1D49}" type="datetimeFigureOut">
               <a:rPr lang="en-US" smtClean="0"/>
-              <a:t>10/16/2016</a:t>
+              <a:t>11/10/2018</a:t>
             </a:fld>
             <a:endParaRPr lang="en-US"/>
           </a:p>
@@ -2235,7 +2251,7 @@
           <a:p>
             <a:fld id="{78C97017-6FC3-485B-9764-EAC9E56C1D49}" type="datetimeFigureOut">
               <a:rPr lang="en-US" smtClean="0"/>
-              <a:t>10/16/2016</a:t>
+              <a:t>11/10/2018</a:t>
             </a:fld>
             <a:endParaRPr lang="en-US"/>
           </a:p>
@@ -2330,7 +2346,7 @@
           <a:p>
             <a:fld id="{78C97017-6FC3-485B-9764-EAC9E56C1D49}" type="datetimeFigureOut">
               <a:rPr lang="en-US" smtClean="0"/>
-              <a:t>10/16/2016</a:t>
+              <a:t>11/10/2018</a:t>
             </a:fld>
             <a:endParaRPr lang="en-US"/>
           </a:p>
@@ -2607,7 +2623,7 @@
           <a:p>
             <a:fld id="{78C97017-6FC3-485B-9764-EAC9E56C1D49}" type="datetimeFigureOut">
               <a:rPr lang="en-US" smtClean="0"/>
-              <a:t>10/16/2016</a:t>
+              <a:t>11/10/2018</a:t>
             </a:fld>
             <a:endParaRPr lang="en-US"/>
           </a:p>
@@ -2860,7 +2876,7 @@
           <a:p>
             <a:fld id="{78C97017-6FC3-485B-9764-EAC9E56C1D49}" type="datetimeFigureOut">
               <a:rPr lang="en-US" smtClean="0"/>
-              <a:t>10/16/2016</a:t>
+              <a:t>11/10/2018</a:t>
             </a:fld>
             <a:endParaRPr lang="en-US"/>
           </a:p>
@@ -3073,7 +3089,7 @@
           <a:p>
             <a:fld id="{78C97017-6FC3-485B-9764-EAC9E56C1D49}" type="datetimeFigureOut">
               <a:rPr lang="en-US" smtClean="0"/>
-              <a:t>10/16/2016</a:t>
+              <a:t>11/10/2018</a:t>
             </a:fld>
             <a:endParaRPr lang="en-US"/>
           </a:p>
@@ -3456,7 +3472,7 @@
         </p:nvSpPr>
         <p:spPr>
           <a:xfrm>
-            <a:off x="1119865" y="2086382"/>
+            <a:off x="666974" y="2133600"/>
             <a:ext cx="7871735" cy="1723618"/>
           </a:xfrm>
           <a:prstGeom prst="roundRect">
@@ -3521,7 +3537,7 @@
         </p:nvSpPr>
         <p:spPr>
           <a:xfrm>
-            <a:off x="2877180" y="3158440"/>
+            <a:off x="2424289" y="3205658"/>
             <a:ext cx="1323049" cy="346760"/>
           </a:xfrm>
           <a:prstGeom prst="rect">
@@ -3581,7 +3597,15 @@
                   <a:schemeClr val="bg1"/>
                 </a:solidFill>
               </a:rPr>
-              <a:t>AddressBookStorage</a:t>
+              <a:t>TutorHelper</a:t>
+            </a:r>
+            <a:r>
+              <a:rPr lang="en-US" sz="1050" dirty="0" err="1" smtClean="0">
+                <a:solidFill>
+                  <a:schemeClr val="bg1"/>
+                </a:solidFill>
+              </a:rPr>
+              <a:t>Storage</a:t>
             </a:r>
             <a:endParaRPr lang="en-SG" sz="1050" dirty="0">
               <a:solidFill>
@@ -3599,7 +3623,7 @@
         </p:nvSpPr>
         <p:spPr>
           <a:xfrm rot="16200000">
-            <a:off x="1683963" y="2868687"/>
+            <a:off x="1231072" y="2915905"/>
             <a:ext cx="1093635" cy="346760"/>
           </a:xfrm>
           <a:prstGeom prst="rect">
@@ -3662,7 +3686,7 @@
         </p:nvSpPr>
         <p:spPr>
           <a:xfrm rot="16200000">
-            <a:off x="956202" y="2861202"/>
+            <a:off x="503311" y="2908420"/>
             <a:ext cx="1093635" cy="346760"/>
           </a:xfrm>
           <a:prstGeom prst="rect">
@@ -3736,7 +3760,7 @@
         </p:nvSpPr>
         <p:spPr>
           <a:xfrm rot="16200000">
-            <a:off x="1626910" y="2952291"/>
+            <a:off x="1174019" y="2999509"/>
             <a:ext cx="270504" cy="175523"/>
           </a:xfrm>
           <a:prstGeom prst="triangle">
@@ -3794,7 +3818,7 @@
         </p:nvCxnSpPr>
         <p:spPr>
           <a:xfrm>
-            <a:off x="2656370" y="3326536"/>
+            <a:off x="2203479" y="3373754"/>
             <a:ext cx="220810" cy="5284"/>
           </a:xfrm>
           <a:prstGeom prst="straightConnector1">
@@ -3834,7 +3858,7 @@
         </p:nvCxnSpPr>
         <p:spPr>
           <a:xfrm>
-            <a:off x="910091" y="3040053"/>
+            <a:off x="457200" y="3087271"/>
             <a:ext cx="419548" cy="2860"/>
           </a:xfrm>
           <a:prstGeom prst="bentConnector3">
@@ -3879,7 +3903,7 @@
         </p:nvCxnSpPr>
         <p:spPr>
           <a:xfrm flipV="1">
-            <a:off x="1849924" y="3040052"/>
+            <a:off x="1397033" y="3087270"/>
             <a:ext cx="216105" cy="1"/>
           </a:xfrm>
           <a:prstGeom prst="line">
@@ -3920,7 +3944,7 @@
         </p:nvSpPr>
         <p:spPr>
           <a:xfrm>
-            <a:off x="2420322" y="3239846"/>
+            <a:off x="1967431" y="3287064"/>
             <a:ext cx="236048" cy="173380"/>
           </a:xfrm>
           <a:prstGeom prst="flowChartDecision">
@@ -3974,7 +3998,7 @@
         </p:nvCxnSpPr>
         <p:spPr>
           <a:xfrm flipV="1">
-            <a:off x="4398041" y="3331820"/>
+            <a:off x="3945150" y="3379038"/>
             <a:ext cx="223324" cy="1"/>
           </a:xfrm>
           <a:prstGeom prst="bentConnector3">
@@ -4017,7 +4041,7 @@
         </p:nvSpPr>
         <p:spPr>
           <a:xfrm rot="5400000" flipV="1">
-            <a:off x="4175027" y="3244059"/>
+            <a:off x="3722136" y="3291277"/>
             <a:ext cx="270504" cy="175523"/>
           </a:xfrm>
           <a:prstGeom prst="triangle">
@@ -4075,7 +4099,7 @@
         </p:nvCxnSpPr>
         <p:spPr>
           <a:xfrm>
-            <a:off x="5791200" y="3331820"/>
+            <a:off x="5338309" y="3379038"/>
             <a:ext cx="228600" cy="1970"/>
           </a:xfrm>
           <a:prstGeom prst="bentConnector3">
@@ -4118,7 +4142,7 @@
         </p:nvSpPr>
         <p:spPr>
           <a:xfrm>
-            <a:off x="4621365" y="3158440"/>
+            <a:off x="4168474" y="3205658"/>
             <a:ext cx="1169835" cy="346760"/>
           </a:xfrm>
           <a:prstGeom prst="rect">
@@ -4154,7 +4178,7 @@
                   </a:schemeClr>
                 </a:solidFill>
               </a:rPr>
-              <a:t>XmlAddressBook</a:t>
+              <a:t>XmlTutorHelper</a:t>
             </a:r>
             <a:r>
               <a:rPr lang="en-US" sz="1050" b="1" dirty="0" smtClean="0">
@@ -4203,7 +4227,7 @@
         </p:nvSpPr>
         <p:spPr>
           <a:xfrm>
-            <a:off x="2873943" y="2558040"/>
+            <a:off x="2421052" y="2605258"/>
             <a:ext cx="1323049" cy="346760"/>
           </a:xfrm>
           <a:prstGeom prst="rect">
@@ -4284,7 +4308,7 @@
         </p:nvCxnSpPr>
         <p:spPr>
           <a:xfrm>
-            <a:off x="2653133" y="2726136"/>
+            <a:off x="2200242" y="2773354"/>
             <a:ext cx="220810" cy="5284"/>
           </a:xfrm>
           <a:prstGeom prst="straightConnector1">
@@ -4324,7 +4348,7 @@
         </p:nvSpPr>
         <p:spPr>
           <a:xfrm>
-            <a:off x="2417085" y="2639446"/>
+            <a:off x="1964194" y="2686664"/>
             <a:ext cx="236048" cy="173380"/>
           </a:xfrm>
           <a:prstGeom prst="flowChartDecision">
@@ -4378,7 +4402,7 @@
         </p:nvCxnSpPr>
         <p:spPr>
           <a:xfrm flipV="1">
-            <a:off x="4394804" y="2731420"/>
+            <a:off x="3941913" y="2778638"/>
             <a:ext cx="223324" cy="1"/>
           </a:xfrm>
           <a:prstGeom prst="bentConnector3">
@@ -4421,7 +4445,7 @@
         </p:nvSpPr>
         <p:spPr>
           <a:xfrm rot="5400000" flipV="1">
-            <a:off x="4171790" y="2643659"/>
+            <a:off x="3718899" y="2690877"/>
             <a:ext cx="270504" cy="175523"/>
           </a:xfrm>
           <a:prstGeom prst="triangle">
@@ -4476,7 +4500,7 @@
         </p:nvSpPr>
         <p:spPr>
           <a:xfrm>
-            <a:off x="4618128" y="2558040"/>
+            <a:off x="4165237" y="2605258"/>
             <a:ext cx="1093635" cy="346760"/>
           </a:xfrm>
           <a:prstGeom prst="rect">
@@ -4562,7 +4586,7 @@
         </p:nvSpPr>
         <p:spPr>
           <a:xfrm>
-            <a:off x="6019800" y="3160410"/>
+            <a:off x="5566909" y="3207628"/>
             <a:ext cx="1200707" cy="346760"/>
           </a:xfrm>
           <a:prstGeom prst="rect">
@@ -4627,7 +4651,7 @@
                   </a:schemeClr>
                 </a:solidFill>
               </a:rPr>
-              <a:t>AddressBook</a:t>
+              <a:t>TutorHelper</a:t>
             </a:r>
             <a:endParaRPr lang="en-SG" sz="1050" b="1" dirty="0">
               <a:solidFill>
@@ -4650,7 +4674,7 @@
         </p:nvCxnSpPr>
         <p:spPr>
           <a:xfrm rot="5400000" flipH="1" flipV="1">
-            <a:off x="8077993" y="2992020"/>
+            <a:off x="7625102" y="3039238"/>
             <a:ext cx="335208" cy="12700"/>
           </a:xfrm>
           <a:prstGeom prst="bentConnector3">
@@ -4688,7 +4712,7 @@
         </p:nvSpPr>
         <p:spPr>
           <a:xfrm>
-            <a:off x="7615738" y="2477656"/>
+            <a:off x="7162847" y="2524874"/>
             <a:ext cx="1259718" cy="346760"/>
           </a:xfrm>
           <a:prstGeom prst="rect">
@@ -4744,7 +4768,7 @@
         </p:nvSpPr>
         <p:spPr>
           <a:xfrm>
-            <a:off x="7615738" y="3159624"/>
+            <a:off x="7162847" y="3206842"/>
             <a:ext cx="1259718" cy="346760"/>
           </a:xfrm>
           <a:prstGeom prst="rect">
@@ -4773,16 +4797,16 @@
           <a:p>
             <a:pPr algn="ctr"/>
             <a:r>
-              <a:rPr lang="en-US" sz="1050" b="1" dirty="0" err="1" smtClean="0">
+              <a:rPr lang="en-US" sz="1000" b="1" dirty="0" err="1" smtClean="0">
                 <a:solidFill>
                   <a:schemeClr val="accent6">
                     <a:lumMod val="75000"/>
                   </a:schemeClr>
                 </a:solidFill>
               </a:rPr>
-              <a:t>XmlAdaptedPerson</a:t>
-            </a:r>
-            <a:endParaRPr lang="en-SG" sz="1050" b="1" dirty="0">
+              <a:t>XmlAdaptedStudent</a:t>
+            </a:r>
+            <a:endParaRPr lang="en-SG" sz="1000" b="1" dirty="0">
               <a:solidFill>
                 <a:schemeClr val="accent6">
                   <a:lumMod val="75000"/>
@@ -4803,7 +4827,7 @@
         </p:nvCxnSpPr>
         <p:spPr>
           <a:xfrm flipV="1">
-            <a:off x="7220507" y="3333004"/>
+            <a:off x="6767616" y="3380222"/>
             <a:ext cx="395231" cy="786"/>
           </a:xfrm>
           <a:prstGeom prst="bentConnector3">

--- a/docs/diagrams/StorageComponentClassDiagram.pptx
+++ b/docs/diagrams/StorageComponentClassDiagram.pptx
@@ -107,22 +107,6 @@
       </a:defRPr>
     </a:lvl9pPr>
   </p:defaultTextStyle>
-  <p:extLst>
-    <p:ext uri="{EFAFB233-063F-42B5-8137-9DF3F51BA10A}">
-      <p15:sldGuideLst xmlns:p15="http://schemas.microsoft.com/office/powerpoint/2012/main">
-        <p15:guide id="1" orient="horz" pos="1488">
-          <p15:clr>
-            <a:srgbClr val="A4A3A4"/>
-          </p15:clr>
-        </p15:guide>
-        <p15:guide id="2" pos="2880">
-          <p15:clr>
-            <a:srgbClr val="A4A3A4"/>
-          </p15:clr>
-        </p15:guide>
-      </p15:sldGuideLst>
-    </p:ext>
-  </p:extLst>
 </p:presentation>
 </file>
 
@@ -208,7 +192,7 @@
           <a:p>
             <a:fld id="{F5CC4B3F-88C1-4FFA-B1B6-F41C21DC6924}" type="datetimeFigureOut">
               <a:rPr lang="en-US" smtClean="0"/>
-              <a:t>11/10/2018</a:t>
+              <a:t>10/16/2016</a:t>
             </a:fld>
             <a:endParaRPr lang="en-US"/>
           </a:p>
@@ -657,7 +641,7 @@
           <a:p>
             <a:fld id="{78C97017-6FC3-485B-9764-EAC9E56C1D49}" type="datetimeFigureOut">
               <a:rPr lang="en-US" smtClean="0"/>
-              <a:t>11/10/2018</a:t>
+              <a:t>10/16/2016</a:t>
             </a:fld>
             <a:endParaRPr lang="en-US"/>
           </a:p>
@@ -827,7 +811,7 @@
           <a:p>
             <a:fld id="{78C97017-6FC3-485B-9764-EAC9E56C1D49}" type="datetimeFigureOut">
               <a:rPr lang="en-US" smtClean="0"/>
-              <a:t>11/10/2018</a:t>
+              <a:t>10/16/2016</a:t>
             </a:fld>
             <a:endParaRPr lang="en-US"/>
           </a:p>
@@ -1007,7 +991,7 @@
           <a:p>
             <a:fld id="{78C97017-6FC3-485B-9764-EAC9E56C1D49}" type="datetimeFigureOut">
               <a:rPr lang="en-US" smtClean="0"/>
-              <a:t>11/10/2018</a:t>
+              <a:t>10/16/2016</a:t>
             </a:fld>
             <a:endParaRPr lang="en-US"/>
           </a:p>
@@ -1177,7 +1161,7 @@
           <a:p>
             <a:fld id="{78C97017-6FC3-485B-9764-EAC9E56C1D49}" type="datetimeFigureOut">
               <a:rPr lang="en-US" smtClean="0"/>
-              <a:t>11/10/2018</a:t>
+              <a:t>10/16/2016</a:t>
             </a:fld>
             <a:endParaRPr lang="en-US"/>
           </a:p>
@@ -1423,7 +1407,7 @@
           <a:p>
             <a:fld id="{78C97017-6FC3-485B-9764-EAC9E56C1D49}" type="datetimeFigureOut">
               <a:rPr lang="en-US" smtClean="0"/>
-              <a:t>11/10/2018</a:t>
+              <a:t>10/16/2016</a:t>
             </a:fld>
             <a:endParaRPr lang="en-US"/>
           </a:p>
@@ -1711,7 +1695,7 @@
           <a:p>
             <a:fld id="{78C97017-6FC3-485B-9764-EAC9E56C1D49}" type="datetimeFigureOut">
               <a:rPr lang="en-US" smtClean="0"/>
-              <a:t>11/10/2018</a:t>
+              <a:t>10/16/2016</a:t>
             </a:fld>
             <a:endParaRPr lang="en-US"/>
           </a:p>
@@ -2133,7 +2117,7 @@
           <a:p>
             <a:fld id="{78C97017-6FC3-485B-9764-EAC9E56C1D49}" type="datetimeFigureOut">
               <a:rPr lang="en-US" smtClean="0"/>
-              <a:t>11/10/2018</a:t>
+              <a:t>10/16/2016</a:t>
             </a:fld>
             <a:endParaRPr lang="en-US"/>
           </a:p>
@@ -2251,7 +2235,7 @@
           <a:p>
             <a:fld id="{78C97017-6FC3-485B-9764-EAC9E56C1D49}" type="datetimeFigureOut">
               <a:rPr lang="en-US" smtClean="0"/>
-              <a:t>11/10/2018</a:t>
+              <a:t>10/16/2016</a:t>
             </a:fld>
             <a:endParaRPr lang="en-US"/>
           </a:p>
@@ -2346,7 +2330,7 @@
           <a:p>
             <a:fld id="{78C97017-6FC3-485B-9764-EAC9E56C1D49}" type="datetimeFigureOut">
               <a:rPr lang="en-US" smtClean="0"/>
-              <a:t>11/10/2018</a:t>
+              <a:t>10/16/2016</a:t>
             </a:fld>
             <a:endParaRPr lang="en-US"/>
           </a:p>
@@ -2623,7 +2607,7 @@
           <a:p>
             <a:fld id="{78C97017-6FC3-485B-9764-EAC9E56C1D49}" type="datetimeFigureOut">
               <a:rPr lang="en-US" smtClean="0"/>
-              <a:t>11/10/2018</a:t>
+              <a:t>10/16/2016</a:t>
             </a:fld>
             <a:endParaRPr lang="en-US"/>
           </a:p>
@@ -2876,7 +2860,7 @@
           <a:p>
             <a:fld id="{78C97017-6FC3-485B-9764-EAC9E56C1D49}" type="datetimeFigureOut">
               <a:rPr lang="en-US" smtClean="0"/>
-              <a:t>11/10/2018</a:t>
+              <a:t>10/16/2016</a:t>
             </a:fld>
             <a:endParaRPr lang="en-US"/>
           </a:p>
@@ -3089,7 +3073,7 @@
           <a:p>
             <a:fld id="{78C97017-6FC3-485B-9764-EAC9E56C1D49}" type="datetimeFigureOut">
               <a:rPr lang="en-US" smtClean="0"/>
-              <a:t>11/10/2018</a:t>
+              <a:t>10/16/2016</a:t>
             </a:fld>
             <a:endParaRPr lang="en-US"/>
           </a:p>
@@ -3472,7 +3456,7 @@
         </p:nvSpPr>
         <p:spPr>
           <a:xfrm>
-            <a:off x="666974" y="2133600"/>
+            <a:off x="1119865" y="2086382"/>
             <a:ext cx="7871735" cy="1723618"/>
           </a:xfrm>
           <a:prstGeom prst="roundRect">
@@ -3537,7 +3521,7 @@
         </p:nvSpPr>
         <p:spPr>
           <a:xfrm>
-            <a:off x="2424289" y="3205658"/>
+            <a:off x="2877180" y="3158440"/>
             <a:ext cx="1323049" cy="346760"/>
           </a:xfrm>
           <a:prstGeom prst="rect">
@@ -3597,15 +3581,7 @@
                   <a:schemeClr val="bg1"/>
                 </a:solidFill>
               </a:rPr>
-              <a:t>TutorHelper</a:t>
-            </a:r>
-            <a:r>
-              <a:rPr lang="en-US" sz="1050" dirty="0" err="1" smtClean="0">
-                <a:solidFill>
-                  <a:schemeClr val="bg1"/>
-                </a:solidFill>
-              </a:rPr>
-              <a:t>Storage</a:t>
+              <a:t>AddressBookStorage</a:t>
             </a:r>
             <a:endParaRPr lang="en-SG" sz="1050" dirty="0">
               <a:solidFill>
@@ -3623,7 +3599,7 @@
         </p:nvSpPr>
         <p:spPr>
           <a:xfrm rot="16200000">
-            <a:off x="1231072" y="2915905"/>
+            <a:off x="1683963" y="2868687"/>
             <a:ext cx="1093635" cy="346760"/>
           </a:xfrm>
           <a:prstGeom prst="rect">
@@ -3686,7 +3662,7 @@
         </p:nvSpPr>
         <p:spPr>
           <a:xfrm rot="16200000">
-            <a:off x="503311" y="2908420"/>
+            <a:off x="956202" y="2861202"/>
             <a:ext cx="1093635" cy="346760"/>
           </a:xfrm>
           <a:prstGeom prst="rect">
@@ -3760,7 +3736,7 @@
         </p:nvSpPr>
         <p:spPr>
           <a:xfrm rot="16200000">
-            <a:off x="1174019" y="2999509"/>
+            <a:off x="1626910" y="2952291"/>
             <a:ext cx="270504" cy="175523"/>
           </a:xfrm>
           <a:prstGeom prst="triangle">
@@ -3818,7 +3794,7 @@
         </p:nvCxnSpPr>
         <p:spPr>
           <a:xfrm>
-            <a:off x="2203479" y="3373754"/>
+            <a:off x="2656370" y="3326536"/>
             <a:ext cx="220810" cy="5284"/>
           </a:xfrm>
           <a:prstGeom prst="straightConnector1">
@@ -3858,7 +3834,7 @@
         </p:nvCxnSpPr>
         <p:spPr>
           <a:xfrm>
-            <a:off x="457200" y="3087271"/>
+            <a:off x="910091" y="3040053"/>
             <a:ext cx="419548" cy="2860"/>
           </a:xfrm>
           <a:prstGeom prst="bentConnector3">
@@ -3903,7 +3879,7 @@
         </p:nvCxnSpPr>
         <p:spPr>
           <a:xfrm flipV="1">
-            <a:off x="1397033" y="3087270"/>
+            <a:off x="1849924" y="3040052"/>
             <a:ext cx="216105" cy="1"/>
           </a:xfrm>
           <a:prstGeom prst="line">
@@ -3944,7 +3920,7 @@
         </p:nvSpPr>
         <p:spPr>
           <a:xfrm>
-            <a:off x="1967431" y="3287064"/>
+            <a:off x="2420322" y="3239846"/>
             <a:ext cx="236048" cy="173380"/>
           </a:xfrm>
           <a:prstGeom prst="flowChartDecision">
@@ -3998,7 +3974,7 @@
         </p:nvCxnSpPr>
         <p:spPr>
           <a:xfrm flipV="1">
-            <a:off x="3945150" y="3379038"/>
+            <a:off x="4398041" y="3331820"/>
             <a:ext cx="223324" cy="1"/>
           </a:xfrm>
           <a:prstGeom prst="bentConnector3">
@@ -4041,7 +4017,7 @@
         </p:nvSpPr>
         <p:spPr>
           <a:xfrm rot="5400000" flipV="1">
-            <a:off x="3722136" y="3291277"/>
+            <a:off x="4175027" y="3244059"/>
             <a:ext cx="270504" cy="175523"/>
           </a:xfrm>
           <a:prstGeom prst="triangle">
@@ -4099,7 +4075,7 @@
         </p:nvCxnSpPr>
         <p:spPr>
           <a:xfrm>
-            <a:off x="5338309" y="3379038"/>
+            <a:off x="5791200" y="3331820"/>
             <a:ext cx="228600" cy="1970"/>
           </a:xfrm>
           <a:prstGeom prst="bentConnector3">
@@ -4142,7 +4118,7 @@
         </p:nvSpPr>
         <p:spPr>
           <a:xfrm>
-            <a:off x="4168474" y="3205658"/>
+            <a:off x="4621365" y="3158440"/>
             <a:ext cx="1169835" cy="346760"/>
           </a:xfrm>
           <a:prstGeom prst="rect">
@@ -4178,7 +4154,7 @@
                   </a:schemeClr>
                 </a:solidFill>
               </a:rPr>
-              <a:t>XmlTutorHelper</a:t>
+              <a:t>XmlAddressBook</a:t>
             </a:r>
             <a:r>
               <a:rPr lang="en-US" sz="1050" b="1" dirty="0" smtClean="0">
@@ -4227,7 +4203,7 @@
         </p:nvSpPr>
         <p:spPr>
           <a:xfrm>
-            <a:off x="2421052" y="2605258"/>
+            <a:off x="2873943" y="2558040"/>
             <a:ext cx="1323049" cy="346760"/>
           </a:xfrm>
           <a:prstGeom prst="rect">
@@ -4308,7 +4284,7 @@
         </p:nvCxnSpPr>
         <p:spPr>
           <a:xfrm>
-            <a:off x="2200242" y="2773354"/>
+            <a:off x="2653133" y="2726136"/>
             <a:ext cx="220810" cy="5284"/>
           </a:xfrm>
           <a:prstGeom prst="straightConnector1">
@@ -4348,7 +4324,7 @@
         </p:nvSpPr>
         <p:spPr>
           <a:xfrm>
-            <a:off x="1964194" y="2686664"/>
+            <a:off x="2417085" y="2639446"/>
             <a:ext cx="236048" cy="173380"/>
           </a:xfrm>
           <a:prstGeom prst="flowChartDecision">
@@ -4402,7 +4378,7 @@
         </p:nvCxnSpPr>
         <p:spPr>
           <a:xfrm flipV="1">
-            <a:off x="3941913" y="2778638"/>
+            <a:off x="4394804" y="2731420"/>
             <a:ext cx="223324" cy="1"/>
           </a:xfrm>
           <a:prstGeom prst="bentConnector3">
@@ -4445,7 +4421,7 @@
         </p:nvSpPr>
         <p:spPr>
           <a:xfrm rot="5400000" flipV="1">
-            <a:off x="3718899" y="2690877"/>
+            <a:off x="4171790" y="2643659"/>
             <a:ext cx="270504" cy="175523"/>
           </a:xfrm>
           <a:prstGeom prst="triangle">
@@ -4500,7 +4476,7 @@
         </p:nvSpPr>
         <p:spPr>
           <a:xfrm>
-            <a:off x="4165237" y="2605258"/>
+            <a:off x="4618128" y="2558040"/>
             <a:ext cx="1093635" cy="346760"/>
           </a:xfrm>
           <a:prstGeom prst="rect">
@@ -4586,7 +4562,7 @@
         </p:nvSpPr>
         <p:spPr>
           <a:xfrm>
-            <a:off x="5566909" y="3207628"/>
+            <a:off x="6019800" y="3160410"/>
             <a:ext cx="1200707" cy="346760"/>
           </a:xfrm>
           <a:prstGeom prst="rect">
@@ -4651,7 +4627,7 @@
                   </a:schemeClr>
                 </a:solidFill>
               </a:rPr>
-              <a:t>TutorHelper</a:t>
+              <a:t>AddressBook</a:t>
             </a:r>
             <a:endParaRPr lang="en-SG" sz="1050" b="1" dirty="0">
               <a:solidFill>
@@ -4674,7 +4650,7 @@
         </p:nvCxnSpPr>
         <p:spPr>
           <a:xfrm rot="5400000" flipH="1" flipV="1">
-            <a:off x="7625102" y="3039238"/>
+            <a:off x="8077993" y="2992020"/>
             <a:ext cx="335208" cy="12700"/>
           </a:xfrm>
           <a:prstGeom prst="bentConnector3">
@@ -4712,7 +4688,7 @@
         </p:nvSpPr>
         <p:spPr>
           <a:xfrm>
-            <a:off x="7162847" y="2524874"/>
+            <a:off x="7615738" y="2477656"/>
             <a:ext cx="1259718" cy="346760"/>
           </a:xfrm>
           <a:prstGeom prst="rect">
@@ -4768,7 +4744,7 @@
         </p:nvSpPr>
         <p:spPr>
           <a:xfrm>
-            <a:off x="7162847" y="3206842"/>
+            <a:off x="7615738" y="3159624"/>
             <a:ext cx="1259718" cy="346760"/>
           </a:xfrm>
           <a:prstGeom prst="rect">
@@ -4797,16 +4773,16 @@
           <a:p>
             <a:pPr algn="ctr"/>
             <a:r>
-              <a:rPr lang="en-US" sz="1000" b="1" dirty="0" err="1" smtClean="0">
+              <a:rPr lang="en-US" sz="1050" b="1" dirty="0" err="1" smtClean="0">
                 <a:solidFill>
                   <a:schemeClr val="accent6">
                     <a:lumMod val="75000"/>
                   </a:schemeClr>
                 </a:solidFill>
               </a:rPr>
-              <a:t>XmlAdaptedStudent</a:t>
-            </a:r>
-            <a:endParaRPr lang="en-SG" sz="1000" b="1" dirty="0">
+              <a:t>XmlAdaptedPerson</a:t>
+            </a:r>
+            <a:endParaRPr lang="en-SG" sz="1050" b="1" dirty="0">
               <a:solidFill>
                 <a:schemeClr val="accent6">
                   <a:lumMod val="75000"/>
@@ -4827,7 +4803,7 @@
         </p:nvCxnSpPr>
         <p:spPr>
           <a:xfrm flipV="1">
-            <a:off x="6767616" y="3380222"/>
+            <a:off x="7220507" y="3333004"/>
             <a:ext cx="395231" cy="786"/>
           </a:xfrm>
           <a:prstGeom prst="bentConnector3">
